--- a/dataflow.pptx
+++ b/dataflow.pptx
@@ -109,7 +109,7 @@
   </p:defaultTextStyle>
   <p:extLst>
     <p:ext uri="{EFAFB233-063F-42B5-8137-9DF3F51BA10A}">
-      <p15:sldGuideLst xmlns:p15="http://schemas.microsoft.com/office/powerpoint/2012/main">
+      <p15:sldGuideLst xmlns:p15="http://schemas.microsoft.com/office/powerpoint/2012/main" xmlns="">
         <p15:guide id="1" orient="horz" pos="2160">
           <p15:clr>
             <a:srgbClr val="A4A3A4"/>
@@ -208,7 +208,7 @@
           <a:p>
             <a:fld id="{FCE2AE31-1D75-734D-9FDA-6B6FC0C7104A}" type="datetimeFigureOut">
               <a:rPr kumimoji="1" lang="ja-JP" altLang="en-US" smtClean="0"/>
-              <a:t>2018/10/28</a:t>
+              <a:t>2018/10/29</a:t>
             </a:fld>
             <a:endParaRPr kumimoji="1" lang="ja-JP" altLang="en-US"/>
           </a:p>
@@ -746,7 +746,7 @@
           <a:p>
             <a:fld id="{34837FA1-ABCA-CE4C-97C8-AFB47DDD0EC8}" type="datetime1">
               <a:rPr lang="ja-JP" altLang="en-US" smtClean="0"/>
-              <a:t>2018/10/28</a:t>
+              <a:t>2018/10/29</a:t>
             </a:fld>
             <a:endParaRPr lang="en-US" dirty="0"/>
           </a:p>
@@ -950,7 +950,7 @@
           <a:p>
             <a:fld id="{6E966612-AE22-F743-A94A-4AB86E085F86}" type="datetime1">
               <a:rPr lang="ja-JP" altLang="en-US" smtClean="0"/>
-              <a:t>2018/10/28</a:t>
+              <a:t>2018/10/29</a:t>
             </a:fld>
             <a:endParaRPr lang="en-US" dirty="0"/>
           </a:p>
@@ -1160,7 +1160,7 @@
           <a:p>
             <a:fld id="{5D751E78-2C4A-004B-B25C-4DC0CB58921F}" type="datetime1">
               <a:rPr lang="ja-JP" altLang="en-US" smtClean="0"/>
-              <a:t>2018/10/28</a:t>
+              <a:t>2018/10/29</a:t>
             </a:fld>
             <a:endParaRPr lang="en-US" dirty="0"/>
           </a:p>
@@ -1490,7 +1490,7 @@
           <a:p>
             <a:fld id="{4536D8B8-39D1-4244-A271-11D378B476DB}" type="datetime1">
               <a:rPr lang="ja-JP" altLang="en-US" smtClean="0"/>
-              <a:t>2018/10/28</a:t>
+              <a:t>2018/10/29</a:t>
             </a:fld>
             <a:endParaRPr lang="en-US" dirty="0"/>
           </a:p>
@@ -1743,7 +1743,7 @@
           <a:p>
             <a:fld id="{D0AACFC7-767B-0747-BBBC-BC030D8D1CB2}" type="datetime1">
               <a:rPr lang="ja-JP" altLang="en-US" smtClean="0"/>
-              <a:t>2018/10/28</a:t>
+              <a:t>2018/10/29</a:t>
             </a:fld>
             <a:endParaRPr lang="en-US" dirty="0"/>
           </a:p>
@@ -2092,7 +2092,7 @@
           <a:p>
             <a:fld id="{E52877F6-10CF-E943-BF89-32A72F67E98C}" type="datetime1">
               <a:rPr lang="ja-JP" altLang="en-US" smtClean="0"/>
-              <a:t>2018/10/28</a:t>
+              <a:t>2018/10/29</a:t>
             </a:fld>
             <a:endParaRPr lang="en-US" dirty="0"/>
           </a:p>
@@ -2575,7 +2575,7 @@
           <a:p>
             <a:fld id="{A3C058B8-A28D-8742-97C6-D65C6BDEBA9A}" type="datetime1">
               <a:rPr lang="ja-JP" altLang="en-US" smtClean="0"/>
-              <a:t>2018/10/28</a:t>
+              <a:t>2018/10/29</a:t>
             </a:fld>
             <a:endParaRPr lang="en-US" dirty="0"/>
           </a:p>
@@ -2692,7 +2692,7 @@
           <a:p>
             <a:fld id="{F217FD67-B9E1-5A40-AB6D-1D00DB32EC7B}" type="datetime1">
               <a:rPr lang="ja-JP" altLang="en-US" smtClean="0"/>
-              <a:t>2018/10/28</a:t>
+              <a:t>2018/10/29</a:t>
             </a:fld>
             <a:endParaRPr lang="en-US" dirty="0"/>
           </a:p>
@@ -2787,7 +2787,7 @@
           <a:p>
             <a:fld id="{6DDCFA9F-F002-FE4E-ACC5-7B37C17A4EB6}" type="datetime1">
               <a:rPr lang="ja-JP" altLang="en-US" smtClean="0"/>
-              <a:t>2018/10/28</a:t>
+              <a:t>2018/10/29</a:t>
             </a:fld>
             <a:endParaRPr lang="en-US" dirty="0"/>
           </a:p>
@@ -3094,7 +3094,7 @@
           <a:p>
             <a:fld id="{A615506D-10D5-F04E-B661-4CDEE960DB5D}" type="datetime1">
               <a:rPr lang="ja-JP" altLang="en-US" smtClean="0"/>
-              <a:t>2018/10/28</a:t>
+              <a:t>2018/10/29</a:t>
             </a:fld>
             <a:endParaRPr lang="en-US" dirty="0"/>
           </a:p>
@@ -3349,7 +3349,7 @@
           <a:p>
             <a:fld id="{C540AB5E-40F1-3D41-B0B4-01CC062742DC}" type="datetime1">
               <a:rPr lang="ja-JP" altLang="en-US" smtClean="0"/>
-              <a:t>2018/10/28</a:t>
+              <a:t>2018/10/29</a:t>
             </a:fld>
             <a:endParaRPr lang="en-US" dirty="0"/>
           </a:p>
@@ -3592,7 +3592,7 @@
           <a:p>
             <a:fld id="{20446252-144D-FC42-906A-43D16CC916A8}" type="datetime1">
               <a:rPr lang="ja-JP" altLang="en-US" smtClean="0"/>
-              <a:t>2018/10/28</a:t>
+              <a:t>2018/10/29</a:t>
             </a:fld>
             <a:endParaRPr lang="en-US" dirty="0"/>
           </a:p>
@@ -3985,10 +3985,122 @@
       </p:grpSpPr>
       <p:sp>
         <p:nvSpPr>
+          <p:cNvPr id="37" name="正方形/長方形 36"/>
+          <p:cNvSpPr/>
+          <p:nvPr/>
+        </p:nvSpPr>
+        <p:spPr>
+          <a:xfrm>
+            <a:off x="3347863" y="4287733"/>
+            <a:ext cx="2159373" cy="532594"/>
+          </a:xfrm>
+          <a:prstGeom prst="rect">
+            <a:avLst/>
+          </a:prstGeom>
+          <a:solidFill>
+            <a:schemeClr val="bg1">
+              <a:lumMod val="50000"/>
+            </a:schemeClr>
+          </a:solidFill>
+          <a:ln>
+            <a:noFill/>
+          </a:ln>
+        </p:spPr>
+        <p:style>
+          <a:lnRef idx="2">
+            <a:schemeClr val="accent1">
+              <a:shade val="50000"/>
+            </a:schemeClr>
+          </a:lnRef>
+          <a:fillRef idx="1">
+            <a:schemeClr val="accent1"/>
+          </a:fillRef>
+          <a:effectRef idx="0">
+            <a:schemeClr val="accent1"/>
+          </a:effectRef>
+          <a:fontRef idx="minor">
+            <a:schemeClr val="lt1"/>
+          </a:fontRef>
+        </p:style>
+        <p:txBody>
+          <a:bodyPr rot="0" spcFirstLastPara="0" vertOverflow="overflow" horzOverflow="overflow" vert="horz" wrap="square" lIns="91440" tIns="45720" rIns="91440" bIns="45720" numCol="1" spcCol="0" rtlCol="0" fromWordArt="0" anchor="ctr" anchorCtr="0" forceAA="0" compatLnSpc="1">
+            <a:prstTxWarp prst="textNoShape">
+              <a:avLst/>
+            </a:prstTxWarp>
+            <a:noAutofit/>
+          </a:bodyPr>
+          <a:lstStyle/>
+          <a:p>
+            <a:endParaRPr lang="en-US" sz="1600" dirty="0">
+              <a:solidFill>
+                <a:schemeClr val="tx1"/>
+              </a:solidFill>
+            </a:endParaRPr>
+          </a:p>
+        </p:txBody>
+      </p:sp>
+      <p:sp>
+        <p:nvSpPr>
+          <p:cNvPr id="36" name="正方形/長方形 35"/>
+          <p:cNvSpPr/>
+          <p:nvPr/>
+        </p:nvSpPr>
+        <p:spPr>
+          <a:xfrm>
+            <a:off x="3243938" y="4160293"/>
+            <a:ext cx="2159373" cy="532594"/>
+          </a:xfrm>
+          <a:prstGeom prst="rect">
+            <a:avLst/>
+          </a:prstGeom>
+          <a:solidFill>
+            <a:schemeClr val="bg1">
+              <a:lumMod val="75000"/>
+            </a:schemeClr>
+          </a:solidFill>
+          <a:ln>
+            <a:noFill/>
+          </a:ln>
+        </p:spPr>
+        <p:style>
+          <a:lnRef idx="2">
+            <a:schemeClr val="accent1">
+              <a:shade val="50000"/>
+            </a:schemeClr>
+          </a:lnRef>
+          <a:fillRef idx="1">
+            <a:schemeClr val="accent1"/>
+          </a:fillRef>
+          <a:effectRef idx="0">
+            <a:schemeClr val="accent1"/>
+          </a:effectRef>
+          <a:fontRef idx="minor">
+            <a:schemeClr val="lt1"/>
+          </a:fontRef>
+        </p:style>
+        <p:txBody>
+          <a:bodyPr rot="0" spcFirstLastPara="0" vertOverflow="overflow" horzOverflow="overflow" vert="horz" wrap="square" lIns="91440" tIns="45720" rIns="91440" bIns="45720" numCol="1" spcCol="0" rtlCol="0" fromWordArt="0" anchor="ctr" anchorCtr="0" forceAA="0" compatLnSpc="1">
+            <a:prstTxWarp prst="textNoShape">
+              <a:avLst/>
+            </a:prstTxWarp>
+            <a:noAutofit/>
+          </a:bodyPr>
+          <a:lstStyle/>
+          <a:p>
+            <a:endParaRPr lang="en-US" sz="1600" dirty="0">
+              <a:solidFill>
+                <a:schemeClr val="tx1"/>
+              </a:solidFill>
+            </a:endParaRPr>
+          </a:p>
+        </p:txBody>
+      </p:sp>
+      <p:sp>
+        <p:nvSpPr>
           <p:cNvPr id="2" name="タイトル 1">
             <a:extLst>
               <a:ext uri="{FF2B5EF4-FFF2-40B4-BE49-F238E27FC236}">
-                <a16:creationId xmlns:a16="http://schemas.microsoft.com/office/drawing/2014/main" id="{961DE830-A38A-6E44-A512-A3E6B85B8891}"/>
+                <a16:creationId xmlns:a16="http://schemas.microsoft.com/office/drawing/2014/main" xmlns="" id="{961DE830-A38A-6E44-A512-A3E6B85B8891}"/>
               </a:ext>
             </a:extLst>
           </p:cNvPr>
@@ -4013,7 +4125,7 @@
           <p:cNvPr id="5" name="角丸四角形 4">
             <a:extLst>
               <a:ext uri="{FF2B5EF4-FFF2-40B4-BE49-F238E27FC236}">
-                <a16:creationId xmlns:a16="http://schemas.microsoft.com/office/drawing/2014/main" id="{8F9551CD-0C3F-3F42-8082-F4C3C7DBB927}"/>
+                <a16:creationId xmlns:a16="http://schemas.microsoft.com/office/drawing/2014/main" xmlns="" id="{8F9551CD-0C3F-3F42-8082-F4C3C7DBB927}"/>
               </a:ext>
             </a:extLst>
           </p:cNvPr>
@@ -4022,8 +4134,8 @@
         </p:nvSpPr>
         <p:spPr>
           <a:xfrm>
-            <a:off x="2716906" y="3260045"/>
-            <a:ext cx="3099719" cy="1800200"/>
+            <a:off x="2750079" y="2589676"/>
+            <a:ext cx="3099719" cy="2985124"/>
           </a:xfrm>
           <a:prstGeom prst="roundRect">
             <a:avLst/>
@@ -4154,7 +4266,7 @@
             <p:cNvPr id="25" name="図 24">
               <a:extLst>
                 <a:ext uri="{FF2B5EF4-FFF2-40B4-BE49-F238E27FC236}">
-                  <a16:creationId xmlns:a16="http://schemas.microsoft.com/office/drawing/2014/main" id="{D2C31113-5B82-3345-99B6-AAC298437AA2}"/>
+                  <a16:creationId xmlns:a16="http://schemas.microsoft.com/office/drawing/2014/main" xmlns="" id="{D2C31113-5B82-3345-99B6-AAC298437AA2}"/>
                 </a:ext>
               </a:extLst>
             </p:cNvPr>
@@ -4187,7 +4299,7 @@
             <p:cNvPr id="26" name="図 25">
               <a:extLst>
                 <a:ext uri="{FF2B5EF4-FFF2-40B4-BE49-F238E27FC236}">
-                  <a16:creationId xmlns:a16="http://schemas.microsoft.com/office/drawing/2014/main" id="{8933843E-F8CC-794C-A26E-9A065332ED46}"/>
+                  <a16:creationId xmlns:a16="http://schemas.microsoft.com/office/drawing/2014/main" xmlns="" id="{8933843E-F8CC-794C-A26E-9A065332ED46}"/>
                 </a:ext>
               </a:extLst>
             </p:cNvPr>
@@ -4254,7 +4366,7 @@
             <p:cNvPr id="19" name="テキスト ボックス 18">
               <a:extLst>
                 <a:ext uri="{FF2B5EF4-FFF2-40B4-BE49-F238E27FC236}">
-                  <a16:creationId xmlns:a16="http://schemas.microsoft.com/office/drawing/2014/main" id="{DB4BBC98-EA85-F84A-9734-8897C4547BEF}"/>
+                  <a16:creationId xmlns:a16="http://schemas.microsoft.com/office/drawing/2014/main" xmlns="" id="{DB4BBC98-EA85-F84A-9734-8897C4547BEF}"/>
                 </a:ext>
               </a:extLst>
             </p:cNvPr>
@@ -4363,7 +4475,7 @@
             <p:cNvPr id="9" name="テキスト ボックス 8">
               <a:extLst>
                 <a:ext uri="{FF2B5EF4-FFF2-40B4-BE49-F238E27FC236}">
-                  <a16:creationId xmlns:a16="http://schemas.microsoft.com/office/drawing/2014/main" id="{DB4BBC98-EA85-F84A-9734-8897C4547BEF}"/>
+                  <a16:creationId xmlns:a16="http://schemas.microsoft.com/office/drawing/2014/main" xmlns="" id="{DB4BBC98-EA85-F84A-9734-8897C4547BEF}"/>
                 </a:ext>
               </a:extLst>
             </p:cNvPr>
@@ -4403,7 +4515,7 @@
             <p:cNvPr id="23" name="図 22">
               <a:extLst>
                 <a:ext uri="{FF2B5EF4-FFF2-40B4-BE49-F238E27FC236}">
-                  <a16:creationId xmlns:a16="http://schemas.microsoft.com/office/drawing/2014/main" id="{765DCE20-09FA-9547-8FC6-9FAC59040389}"/>
+                  <a16:creationId xmlns:a16="http://schemas.microsoft.com/office/drawing/2014/main" xmlns="" id="{765DCE20-09FA-9547-8FC6-9FAC59040389}"/>
                 </a:ext>
               </a:extLst>
             </p:cNvPr>
@@ -4474,7 +4586,7 @@
           <p:cNvPr id="31" name="下矢印 30">
             <a:extLst>
               <a:ext uri="{FF2B5EF4-FFF2-40B4-BE49-F238E27FC236}">
-                <a16:creationId xmlns:a16="http://schemas.microsoft.com/office/drawing/2014/main" id="{B73A667E-CEE1-3049-90CB-5C3F7FFE30FE}"/>
+                <a16:creationId xmlns:a16="http://schemas.microsoft.com/office/drawing/2014/main" xmlns="" id="{B73A667E-CEE1-3049-90CB-5C3F7FFE30FE}"/>
               </a:ext>
             </a:extLst>
           </p:cNvPr>
@@ -4540,7 +4652,7 @@
           <p:cNvPr id="27" name="下矢印 26">
             <a:extLst>
               <a:ext uri="{FF2B5EF4-FFF2-40B4-BE49-F238E27FC236}">
-                <a16:creationId xmlns:a16="http://schemas.microsoft.com/office/drawing/2014/main" id="{B73A667E-CEE1-3049-90CB-5C3F7FFE30FE}"/>
+                <a16:creationId xmlns:a16="http://schemas.microsoft.com/office/drawing/2014/main" xmlns="" id="{B73A667E-CEE1-3049-90CB-5C3F7FFE30FE}"/>
               </a:ext>
             </a:extLst>
           </p:cNvPr>
@@ -4601,29 +4713,191 @@
           </a:p>
         </p:txBody>
       </p:sp>
-      <p:sp>
-        <p:nvSpPr>
-          <p:cNvPr id="29" name="円/楕円 28">
+      <p:pic>
+        <p:nvPicPr>
+          <p:cNvPr id="8" name="図 7">
             <a:extLst>
               <a:ext uri="{FF2B5EF4-FFF2-40B4-BE49-F238E27FC236}">
-                <a16:creationId xmlns:a16="http://schemas.microsoft.com/office/drawing/2014/main" id="{E84188FD-658B-6542-848F-85C1706979D9}"/>
+                <a16:creationId xmlns:a16="http://schemas.microsoft.com/office/drawing/2014/main" xmlns="" id="{EA0E7BE1-EEE2-304D-AA67-0C621D03763E}"/>
               </a:ext>
             </a:extLst>
           </p:cNvPr>
+          <p:cNvPicPr>
+            <a:picLocks noChangeAspect="1"/>
+          </p:cNvPicPr>
+          <p:nvPr/>
+        </p:nvPicPr>
+        <p:blipFill>
+          <a:blip r:embed="rId7">
+            <a:extLst>
+              <a:ext uri="{28A0092B-C50C-407E-A947-70E740481C1C}">
+                <a14:useLocalDpi xmlns:a14="http://schemas.microsoft.com/office/drawing/2010/main" val="0"/>
+              </a:ext>
+            </a:extLst>
+          </a:blip>
+          <a:stretch>
+            <a:fillRect/>
+          </a:stretch>
+        </p:blipFill>
+        <p:spPr>
+          <a:xfrm>
+            <a:off x="4756270" y="2589676"/>
+            <a:ext cx="836347" cy="836347"/>
+          </a:xfrm>
+          <a:prstGeom prst="rect">
+            <a:avLst/>
+          </a:prstGeom>
+        </p:spPr>
+      </p:pic>
+      <p:grpSp>
+        <p:nvGrpSpPr>
+          <p:cNvPr id="12" name="グループ化 11"/>
+          <p:cNvGrpSpPr/>
+          <p:nvPr/>
+        </p:nvGrpSpPr>
+        <p:grpSpPr>
+          <a:xfrm>
+            <a:off x="3084734" y="3319886"/>
+            <a:ext cx="2516335" cy="1792169"/>
+            <a:chOff x="3334361" y="3376113"/>
+            <a:chExt cx="1944216" cy="1792169"/>
+          </a:xfrm>
+        </p:grpSpPr>
+        <p:sp>
+          <p:nvSpPr>
+            <p:cNvPr id="11" name="正方形/長方形 10"/>
+            <p:cNvSpPr/>
+            <p:nvPr/>
+          </p:nvSpPr>
+          <p:spPr>
+            <a:xfrm>
+              <a:off x="3334361" y="3376113"/>
+              <a:ext cx="1944216" cy="393497"/>
+            </a:xfrm>
+            <a:prstGeom prst="rect">
+              <a:avLst/>
+            </a:prstGeom>
+            <a:noFill/>
+            <a:ln>
+              <a:solidFill>
+                <a:schemeClr val="bg1"/>
+              </a:solidFill>
+            </a:ln>
+          </p:spPr>
+          <p:style>
+            <a:lnRef idx="2">
+              <a:schemeClr val="accent1">
+                <a:shade val="50000"/>
+              </a:schemeClr>
+            </a:lnRef>
+            <a:fillRef idx="1">
+              <a:schemeClr val="accent1"/>
+            </a:fillRef>
+            <a:effectRef idx="0">
+              <a:schemeClr val="accent1"/>
+            </a:effectRef>
+            <a:fontRef idx="minor">
+              <a:schemeClr val="lt1"/>
+            </a:fontRef>
+          </p:style>
+          <p:txBody>
+            <a:bodyPr rot="0" spcFirstLastPara="0" vertOverflow="overflow" horzOverflow="overflow" vert="horz" wrap="square" lIns="91440" tIns="45720" rIns="91440" bIns="45720" numCol="1" spcCol="0" rtlCol="0" fromWordArt="0" anchor="ctr" anchorCtr="0" forceAA="0" compatLnSpc="1">
+              <a:prstTxWarp prst="textNoShape">
+                <a:avLst/>
+              </a:prstTxWarp>
+              <a:noAutofit/>
+            </a:bodyPr>
+            <a:lstStyle/>
+            <a:p>
+              <a:r>
+                <a:rPr lang="en-US" sz="2400" dirty="0" smtClean="0">
+                  <a:solidFill>
+                    <a:srgbClr val="FF0000"/>
+                  </a:solidFill>
+                </a:rPr>
+                <a:t>G2GML </a:t>
+              </a:r>
+              <a:endParaRPr lang="en-US" sz="2400" dirty="0" smtClean="0">
+                <a:solidFill>
+                  <a:srgbClr val="FF0000"/>
+                </a:solidFill>
+              </a:endParaRPr>
+            </a:p>
+          </p:txBody>
+        </p:sp>
+        <p:sp>
+          <p:nvSpPr>
+            <p:cNvPr id="4" name="メモ 3"/>
+            <p:cNvSpPr/>
+            <p:nvPr/>
+          </p:nvSpPr>
+          <p:spPr>
+            <a:xfrm>
+              <a:off x="3334361" y="3803304"/>
+              <a:ext cx="1944216" cy="1364978"/>
+            </a:xfrm>
+            <a:prstGeom prst="foldedCorner">
+              <a:avLst/>
+            </a:prstGeom>
+            <a:noFill/>
+            <a:ln>
+              <a:solidFill>
+                <a:schemeClr val="tx1"/>
+              </a:solidFill>
+            </a:ln>
+          </p:spPr>
+          <p:style>
+            <a:lnRef idx="2">
+              <a:schemeClr val="accent1">
+                <a:shade val="50000"/>
+              </a:schemeClr>
+            </a:lnRef>
+            <a:fillRef idx="1">
+              <a:schemeClr val="accent1"/>
+            </a:fillRef>
+            <a:effectRef idx="0">
+              <a:schemeClr val="accent1"/>
+            </a:effectRef>
+            <a:fontRef idx="minor">
+              <a:schemeClr val="lt1"/>
+            </a:fontRef>
+          </p:style>
+          <p:txBody>
+            <a:bodyPr rot="0" spcFirstLastPara="0" vertOverflow="overflow" horzOverflow="overflow" vert="horz" wrap="square" lIns="91440" tIns="45720" rIns="91440" bIns="45720" numCol="1" spcCol="0" rtlCol="0" fromWordArt="0" anchor="ctr" anchorCtr="0" forceAA="0" compatLnSpc="1">
+              <a:prstTxWarp prst="textNoShape">
+                <a:avLst/>
+              </a:prstTxWarp>
+              <a:noAutofit/>
+            </a:bodyPr>
+            <a:lstStyle/>
+            <a:p>
+              <a:pPr algn="ctr"/>
+              <a:endParaRPr lang="en-US" sz="2800" dirty="0" smtClean="0">
+                <a:solidFill>
+                  <a:schemeClr val="tx1"/>
+                </a:solidFill>
+              </a:endParaRPr>
+            </a:p>
+          </p:txBody>
+        </p:sp>
+      </p:grpSp>
+      <p:sp>
+        <p:nvSpPr>
+          <p:cNvPr id="28" name="正方形/長方形 27"/>
           <p:cNvSpPr/>
           <p:nvPr/>
         </p:nvSpPr>
         <p:spPr>
           <a:xfrm>
-            <a:off x="3294657" y="3987026"/>
-            <a:ext cx="1944216" cy="1008112"/>
+            <a:off x="3149431" y="4013741"/>
+            <a:ext cx="2159373" cy="532594"/>
           </a:xfrm>
-          <a:prstGeom prst="ellipse">
+          <a:prstGeom prst="rect">
             <a:avLst/>
           </a:prstGeom>
           <a:solidFill>
-            <a:schemeClr val="accent1">
-              <a:lumMod val="75000"/>
+            <a:schemeClr val="bg1">
+              <a:lumMod val="85000"/>
             </a:schemeClr>
           </a:solidFill>
           <a:ln>
@@ -4655,59 +4929,54 @@
           </a:bodyPr>
           <a:lstStyle/>
           <a:p>
-            <a:pPr algn="ctr"/>
-            <a:r>
-              <a:rPr kumimoji="1" lang="en-US" altLang="ja-JP" sz="2800" dirty="0">
+            <a:r>
+              <a:rPr lang="en-US" sz="1600" dirty="0" smtClean="0">
                 <a:solidFill>
-                  <a:schemeClr val="bg1"/>
+                  <a:schemeClr val="tx1"/>
                 </a:solidFill>
               </a:rPr>
-              <a:t>G2GML</a:t>
-            </a:r>
-            <a:endParaRPr kumimoji="1" lang="ja-JP" altLang="en-US" sz="2800" dirty="0">
+              <a:t>Property </a:t>
+            </a:r>
+            <a:r>
+              <a:rPr lang="en-US" sz="1600" dirty="0">
+                <a:solidFill>
+                  <a:schemeClr val="tx1"/>
+                </a:solidFill>
+              </a:rPr>
+              <a:t>Graph </a:t>
+            </a:r>
+            <a:r>
+              <a:rPr lang="en-US" sz="1600" dirty="0" smtClean="0">
+                <a:solidFill>
+                  <a:schemeClr val="tx1"/>
+                </a:solidFill>
+              </a:rPr>
+              <a:t>Pattern </a:t>
+            </a:r>
+            <a:r>
+              <a:rPr lang="ja-JP" altLang="en-US" sz="1600" dirty="0" smtClean="0">
+                <a:solidFill>
+                  <a:schemeClr val="tx1"/>
+                </a:solidFill>
+              </a:rPr>
+              <a:t>⇔ </a:t>
+            </a:r>
+            <a:r>
+              <a:rPr lang="en-US" sz="1600" dirty="0" smtClean="0">
+                <a:solidFill>
+                  <a:schemeClr val="tx1"/>
+                </a:solidFill>
+              </a:rPr>
+              <a:t>RDF Graph Pattern</a:t>
+            </a:r>
+            <a:endParaRPr lang="en-US" sz="1600" dirty="0">
               <a:solidFill>
-                <a:schemeClr val="bg1"/>
+                <a:schemeClr val="tx1"/>
               </a:solidFill>
             </a:endParaRPr>
           </a:p>
         </p:txBody>
       </p:sp>
-      <p:pic>
-        <p:nvPicPr>
-          <p:cNvPr id="8" name="図 7">
-            <a:extLst>
-              <a:ext uri="{FF2B5EF4-FFF2-40B4-BE49-F238E27FC236}">
-                <a16:creationId xmlns:a16="http://schemas.microsoft.com/office/drawing/2014/main" id="{EA0E7BE1-EEE2-304D-AA67-0C621D03763E}"/>
-              </a:ext>
-            </a:extLst>
-          </p:cNvPr>
-          <p:cNvPicPr>
-            <a:picLocks noChangeAspect="1"/>
-          </p:cNvPicPr>
-          <p:nvPr/>
-        </p:nvPicPr>
-        <p:blipFill>
-          <a:blip r:embed="rId7">
-            <a:extLst>
-              <a:ext uri="{28A0092B-C50C-407E-A947-70E740481C1C}">
-                <a14:useLocalDpi xmlns:a14="http://schemas.microsoft.com/office/drawing/2010/main" val="0"/>
-              </a:ext>
-            </a:extLst>
-          </a:blip>
-          <a:stretch>
-            <a:fillRect/>
-          </a:stretch>
-        </p:blipFill>
-        <p:spPr>
-          <a:xfrm>
-            <a:off x="4757359" y="3179989"/>
-            <a:ext cx="836347" cy="836347"/>
-          </a:xfrm>
-          <a:prstGeom prst="rect">
-            <a:avLst/>
-          </a:prstGeom>
-        </p:spPr>
-      </p:pic>
     </p:spTree>
     <p:extLst>
       <p:ext uri="{BB962C8B-B14F-4D97-AF65-F5344CB8AC3E}">
@@ -5324,7 +5593,7 @@
   <a:extraClrSchemeLst/>
   <a:extLst>
     <a:ext uri="{05A4C25C-085E-4340-85A3-A5531E510DB2}">
-      <thm15:themeFamily xmlns:thm15="http://schemas.microsoft.com/office/thememl/2012/main" name="Office Theme" id="{62F939B6-93AF-4DB8-9C6B-D6C7DFDC589F}" vid="{4A3C46E8-61CC-4603-A589-7422A47A8E4A}"/>
+      <thm15:themeFamily xmlns:thm15="http://schemas.microsoft.com/office/thememl/2012/main" xmlns="" name="Office Theme" id="{62F939B6-93AF-4DB8-9C6B-D6C7DFDC589F}" vid="{4A3C46E8-61CC-4603-A589-7422A47A8E4A}"/>
     </a:ext>
   </a:extLst>
 </a:theme>

--- a/dataflow.pptx
+++ b/dataflow.pptx
@@ -109,7 +109,7 @@
   </p:defaultTextStyle>
   <p:extLst>
     <p:ext uri="{EFAFB233-063F-42B5-8137-9DF3F51BA10A}">
-      <p15:sldGuideLst xmlns:p15="http://schemas.microsoft.com/office/powerpoint/2012/main" xmlns="">
+      <p15:sldGuideLst xmlns:p15="http://schemas.microsoft.com/office/powerpoint/2012/main">
         <p15:guide id="1" orient="horz" pos="2160">
           <p15:clr>
             <a:srgbClr val="A4A3A4"/>
@@ -4100,7 +4100,7 @@
           <p:cNvPr id="2" name="タイトル 1">
             <a:extLst>
               <a:ext uri="{FF2B5EF4-FFF2-40B4-BE49-F238E27FC236}">
-                <a16:creationId xmlns:a16="http://schemas.microsoft.com/office/drawing/2014/main" xmlns="" id="{961DE830-A38A-6E44-A512-A3E6B85B8891}"/>
+                <a16:creationId xmlns:a16="http://schemas.microsoft.com/office/drawing/2014/main" id="{961DE830-A38A-6E44-A512-A3E6B85B8891}"/>
               </a:ext>
             </a:extLst>
           </p:cNvPr>
@@ -4125,7 +4125,7 @@
           <p:cNvPr id="5" name="角丸四角形 4">
             <a:extLst>
               <a:ext uri="{FF2B5EF4-FFF2-40B4-BE49-F238E27FC236}">
-                <a16:creationId xmlns:a16="http://schemas.microsoft.com/office/drawing/2014/main" xmlns="" id="{8F9551CD-0C3F-3F42-8082-F4C3C7DBB927}"/>
+                <a16:creationId xmlns:a16="http://schemas.microsoft.com/office/drawing/2014/main" id="{8F9551CD-0C3F-3F42-8082-F4C3C7DBB927}"/>
               </a:ext>
             </a:extLst>
           </p:cNvPr>
@@ -4266,7 +4266,7 @@
             <p:cNvPr id="25" name="図 24">
               <a:extLst>
                 <a:ext uri="{FF2B5EF4-FFF2-40B4-BE49-F238E27FC236}">
-                  <a16:creationId xmlns:a16="http://schemas.microsoft.com/office/drawing/2014/main" xmlns="" id="{D2C31113-5B82-3345-99B6-AAC298437AA2}"/>
+                  <a16:creationId xmlns:a16="http://schemas.microsoft.com/office/drawing/2014/main" id="{D2C31113-5B82-3345-99B6-AAC298437AA2}"/>
                 </a:ext>
               </a:extLst>
             </p:cNvPr>
@@ -4299,7 +4299,7 @@
             <p:cNvPr id="26" name="図 25">
               <a:extLst>
                 <a:ext uri="{FF2B5EF4-FFF2-40B4-BE49-F238E27FC236}">
-                  <a16:creationId xmlns:a16="http://schemas.microsoft.com/office/drawing/2014/main" xmlns="" id="{8933843E-F8CC-794C-A26E-9A065332ED46}"/>
+                  <a16:creationId xmlns:a16="http://schemas.microsoft.com/office/drawing/2014/main" id="{8933843E-F8CC-794C-A26E-9A065332ED46}"/>
                 </a:ext>
               </a:extLst>
             </p:cNvPr>
@@ -4327,46 +4327,12 @@
             </a:solidFill>
           </p:spPr>
         </p:pic>
-        <p:pic>
-          <p:nvPicPr>
-            <p:cNvPr id="1027" name="Picture 3" descr="C:\Users\Shota\Desktop\375px-Amazon_Web_Services_Logo.svg.png"/>
-            <p:cNvPicPr>
-              <a:picLocks noChangeAspect="1" noChangeArrowheads="1"/>
-            </p:cNvPicPr>
-            <p:nvPr/>
-          </p:nvPicPr>
-          <p:blipFill>
-            <a:blip r:embed="rId4" cstate="print">
-              <a:extLst>
-                <a:ext uri="{28A0092B-C50C-407E-A947-70E740481C1C}">
-                  <a14:useLocalDpi xmlns:a14="http://schemas.microsoft.com/office/drawing/2010/main" val="0"/>
-                </a:ext>
-              </a:extLst>
-            </a:blip>
-            <a:srcRect/>
-            <a:stretch>
-              <a:fillRect/>
-            </a:stretch>
-          </p:blipFill>
-          <p:spPr bwMode="auto">
-            <a:xfrm>
-              <a:off x="738666" y="6021288"/>
-              <a:ext cx="1048819" cy="629291"/>
-            </a:xfrm>
-            <a:prstGeom prst="rect">
-              <a:avLst/>
-            </a:prstGeom>
-            <a:solidFill>
-              <a:schemeClr val="bg1"/>
-            </a:solidFill>
-          </p:spPr>
-        </p:pic>
         <p:sp>
           <p:nvSpPr>
             <p:cNvPr id="19" name="テキスト ボックス 18">
               <a:extLst>
                 <a:ext uri="{FF2B5EF4-FFF2-40B4-BE49-F238E27FC236}">
-                  <a16:creationId xmlns:a16="http://schemas.microsoft.com/office/drawing/2014/main" xmlns="" id="{DB4BBC98-EA85-F84A-9734-8897C4547BEF}"/>
+                  <a16:creationId xmlns:a16="http://schemas.microsoft.com/office/drawing/2014/main" id="{DB4BBC98-EA85-F84A-9734-8897C4547BEF}"/>
                 </a:ext>
               </a:extLst>
             </p:cNvPr>
@@ -4475,7 +4441,7 @@
             <p:cNvPr id="9" name="テキスト ボックス 8">
               <a:extLst>
                 <a:ext uri="{FF2B5EF4-FFF2-40B4-BE49-F238E27FC236}">
-                  <a16:creationId xmlns:a16="http://schemas.microsoft.com/office/drawing/2014/main" xmlns="" id="{DB4BBC98-EA85-F84A-9734-8897C4547BEF}"/>
+                  <a16:creationId xmlns:a16="http://schemas.microsoft.com/office/drawing/2014/main" id="{DB4BBC98-EA85-F84A-9734-8897C4547BEF}"/>
                 </a:ext>
               </a:extLst>
             </p:cNvPr>
@@ -4515,7 +4481,7 @@
             <p:cNvPr id="23" name="図 22">
               <a:extLst>
                 <a:ext uri="{FF2B5EF4-FFF2-40B4-BE49-F238E27FC236}">
-                  <a16:creationId xmlns:a16="http://schemas.microsoft.com/office/drawing/2014/main" xmlns="" id="{765DCE20-09FA-9547-8FC6-9FAC59040389}"/>
+                  <a16:creationId xmlns:a16="http://schemas.microsoft.com/office/drawing/2014/main" id="{765DCE20-09FA-9547-8FC6-9FAC59040389}"/>
                 </a:ext>
               </a:extLst>
             </p:cNvPr>
@@ -4525,7 +4491,7 @@
             <p:nvPr/>
           </p:nvPicPr>
           <p:blipFill>
-            <a:blip r:embed="rId5"/>
+            <a:blip r:embed="rId4"/>
             <a:stretch>
               <a:fillRect/>
             </a:stretch>
@@ -4553,7 +4519,7 @@
             <p:nvPr/>
           </p:nvPicPr>
           <p:blipFill>
-            <a:blip r:embed="rId6">
+            <a:blip r:embed="rId5">
               <a:extLst>
                 <a:ext uri="{28A0092B-C50C-407E-A947-70E740481C1C}">
                   <a14:useLocalDpi xmlns:a14="http://schemas.microsoft.com/office/drawing/2010/main" val="0"/>
@@ -4586,7 +4552,7 @@
           <p:cNvPr id="31" name="下矢印 30">
             <a:extLst>
               <a:ext uri="{FF2B5EF4-FFF2-40B4-BE49-F238E27FC236}">
-                <a16:creationId xmlns:a16="http://schemas.microsoft.com/office/drawing/2014/main" xmlns="" id="{B73A667E-CEE1-3049-90CB-5C3F7FFE30FE}"/>
+                <a16:creationId xmlns:a16="http://schemas.microsoft.com/office/drawing/2014/main" id="{B73A667E-CEE1-3049-90CB-5C3F7FFE30FE}"/>
               </a:ext>
             </a:extLst>
           </p:cNvPr>
@@ -4652,7 +4618,7 @@
           <p:cNvPr id="27" name="下矢印 26">
             <a:extLst>
               <a:ext uri="{FF2B5EF4-FFF2-40B4-BE49-F238E27FC236}">
-                <a16:creationId xmlns:a16="http://schemas.microsoft.com/office/drawing/2014/main" xmlns="" id="{B73A667E-CEE1-3049-90CB-5C3F7FFE30FE}"/>
+                <a16:creationId xmlns:a16="http://schemas.microsoft.com/office/drawing/2014/main" id="{B73A667E-CEE1-3049-90CB-5C3F7FFE30FE}"/>
               </a:ext>
             </a:extLst>
           </p:cNvPr>
@@ -4718,7 +4684,7 @@
           <p:cNvPr id="8" name="図 7">
             <a:extLst>
               <a:ext uri="{FF2B5EF4-FFF2-40B4-BE49-F238E27FC236}">
-                <a16:creationId xmlns:a16="http://schemas.microsoft.com/office/drawing/2014/main" xmlns="" id="{EA0E7BE1-EEE2-304D-AA67-0C621D03763E}"/>
+                <a16:creationId xmlns:a16="http://schemas.microsoft.com/office/drawing/2014/main" id="{EA0E7BE1-EEE2-304D-AA67-0C621D03763E}"/>
               </a:ext>
             </a:extLst>
           </p:cNvPr>
@@ -4728,7 +4694,7 @@
           <p:nvPr/>
         </p:nvPicPr>
         <p:blipFill>
-          <a:blip r:embed="rId7">
+          <a:blip r:embed="rId6">
             <a:extLst>
               <a:ext uri="{28A0092B-C50C-407E-A947-70E740481C1C}">
                 <a14:useLocalDpi xmlns:a14="http://schemas.microsoft.com/office/drawing/2010/main" val="0"/>
@@ -4810,18 +4776,13 @@
             <a:lstStyle/>
             <a:p>
               <a:r>
-                <a:rPr lang="en-US" sz="2400" dirty="0" smtClean="0">
+                <a:rPr lang="en-US" sz="2400" dirty="0">
                   <a:solidFill>
                     <a:srgbClr val="FF0000"/>
                   </a:solidFill>
                 </a:rPr>
                 <a:t>G2GML </a:t>
               </a:r>
-              <a:endParaRPr lang="en-US" sz="2400" dirty="0" smtClean="0">
-                <a:solidFill>
-                  <a:srgbClr val="FF0000"/>
-                </a:solidFill>
-              </a:endParaRPr>
             </a:p>
           </p:txBody>
         </p:sp>
@@ -4872,7 +4833,7 @@
             <a:lstStyle/>
             <a:p>
               <a:pPr algn="ctr"/>
-              <a:endParaRPr lang="en-US" sz="2800" dirty="0" smtClean="0">
+              <a:endParaRPr lang="en-US" sz="2800" dirty="0">
                 <a:solidFill>
                   <a:schemeClr val="tx1"/>
                 </a:solidFill>
@@ -4930,31 +4891,15 @@
           <a:lstStyle/>
           <a:p>
             <a:r>
-              <a:rPr lang="en-US" sz="1600" dirty="0" smtClean="0">
-                <a:solidFill>
-                  <a:schemeClr val="tx1"/>
-                </a:solidFill>
-              </a:rPr>
-              <a:t>Property </a:t>
-            </a:r>
-            <a:r>
               <a:rPr lang="en-US" sz="1600" dirty="0">
                 <a:solidFill>
                   <a:schemeClr val="tx1"/>
                 </a:solidFill>
               </a:rPr>
-              <a:t>Graph </a:t>
-            </a:r>
-            <a:r>
-              <a:rPr lang="en-US" sz="1600" dirty="0" smtClean="0">
-                <a:solidFill>
-                  <a:schemeClr val="tx1"/>
-                </a:solidFill>
-              </a:rPr>
-              <a:t>Pattern </a:t>
-            </a:r>
-            <a:r>
-              <a:rPr lang="ja-JP" altLang="en-US" sz="1600" dirty="0" smtClean="0">
+              <a:t>Property Graph Pattern </a:t>
+            </a:r>
+            <a:r>
+              <a:rPr lang="ja-JP" altLang="en-US" sz="1600" dirty="0">
                 <a:solidFill>
                   <a:schemeClr val="tx1"/>
                 </a:solidFill>
@@ -4962,21 +4907,86 @@
               <a:t>⇔ </a:t>
             </a:r>
             <a:r>
-              <a:rPr lang="en-US" sz="1600" dirty="0" smtClean="0">
+              <a:rPr lang="en-US" sz="1600" dirty="0">
                 <a:solidFill>
                   <a:schemeClr val="tx1"/>
                 </a:solidFill>
               </a:rPr>
               <a:t>RDF Graph Pattern</a:t>
             </a:r>
-            <a:endParaRPr lang="en-US" sz="1600" dirty="0">
-              <a:solidFill>
-                <a:schemeClr val="tx1"/>
-              </a:solidFill>
-            </a:endParaRPr>
-          </a:p>
-        </p:txBody>
-      </p:sp>
+          </a:p>
+        </p:txBody>
+      </p:sp>
+      <p:pic>
+        <p:nvPicPr>
+          <p:cNvPr id="24" name="Picture 23">
+            <a:extLst>
+              <a:ext uri="{FF2B5EF4-FFF2-40B4-BE49-F238E27FC236}">
+                <a16:creationId xmlns:a16="http://schemas.microsoft.com/office/drawing/2014/main" id="{45F2B6B8-B5BF-D04D-9332-2BEAEBBDB671}"/>
+              </a:ext>
+            </a:extLst>
+          </p:cNvPr>
+          <p:cNvPicPr>
+            <a:picLocks noChangeAspect="1"/>
+          </p:cNvPicPr>
+          <p:nvPr/>
+        </p:nvPicPr>
+        <p:blipFill rotWithShape="1">
+          <a:blip r:embed="rId7">
+            <a:extLst>
+              <a:ext uri="{28A0092B-C50C-407E-A947-70E740481C1C}">
+                <a14:useLocalDpi xmlns:a14="http://schemas.microsoft.com/office/drawing/2010/main" val="0"/>
+              </a:ext>
+            </a:extLst>
+          </a:blip>
+          <a:srcRect l="48327" r="-1" b="-3182"/>
+          <a:stretch/>
+        </p:blipFill>
+        <p:spPr>
+          <a:xfrm>
+            <a:off x="7181033" y="5089410"/>
+            <a:ext cx="1215256" cy="325458"/>
+          </a:xfrm>
+          <a:prstGeom prst="rect">
+            <a:avLst/>
+          </a:prstGeom>
+        </p:spPr>
+      </p:pic>
+      <p:pic>
+        <p:nvPicPr>
+          <p:cNvPr id="29" name="Picture 28">
+            <a:extLst>
+              <a:ext uri="{FF2B5EF4-FFF2-40B4-BE49-F238E27FC236}">
+                <a16:creationId xmlns:a16="http://schemas.microsoft.com/office/drawing/2014/main" id="{BBD6C123-5763-2D42-953A-AC6B141E46AC}"/>
+              </a:ext>
+            </a:extLst>
+          </p:cNvPr>
+          <p:cNvPicPr>
+            <a:picLocks noChangeAspect="1"/>
+          </p:cNvPicPr>
+          <p:nvPr/>
+        </p:nvPicPr>
+        <p:blipFill rotWithShape="1">
+          <a:blip r:embed="rId7">
+            <a:extLst>
+              <a:ext uri="{28A0092B-C50C-407E-A947-70E740481C1C}">
+                <a14:useLocalDpi xmlns:a14="http://schemas.microsoft.com/office/drawing/2010/main" val="0"/>
+              </a:ext>
+            </a:extLst>
+          </a:blip>
+          <a:srcRect r="52163"/>
+          <a:stretch/>
+        </p:blipFill>
+        <p:spPr>
+          <a:xfrm>
+            <a:off x="7172152" y="4797152"/>
+            <a:ext cx="1122137" cy="314605"/>
+          </a:xfrm>
+          <a:prstGeom prst="rect">
+            <a:avLst/>
+          </a:prstGeom>
+        </p:spPr>
+      </p:pic>
     </p:spTree>
     <p:extLst>
       <p:ext uri="{BB962C8B-B14F-4D97-AF65-F5344CB8AC3E}">
@@ -5593,7 +5603,7 @@
   <a:extraClrSchemeLst/>
   <a:extLst>
     <a:ext uri="{05A4C25C-085E-4340-85A3-A5531E510DB2}">
-      <thm15:themeFamily xmlns:thm15="http://schemas.microsoft.com/office/thememl/2012/main" xmlns="" name="Office Theme" id="{62F939B6-93AF-4DB8-9C6B-D6C7DFDC589F}" vid="{4A3C46E8-61CC-4603-A589-7422A47A8E4A}"/>
+      <thm15:themeFamily xmlns:thm15="http://schemas.microsoft.com/office/thememl/2012/main" name="Office Theme" id="{62F939B6-93AF-4DB8-9C6B-D6C7DFDC589F}" vid="{4A3C46E8-61CC-4603-A589-7422A47A8E4A}"/>
     </a:ext>
   </a:extLst>
 </a:theme>
